--- a/Workshop_Slides/Eagle CAD/Eagle CAD Workshop (5).pptx
+++ b/Workshop_Slides/Eagle CAD/Eagle CAD Workshop (5).pptx
@@ -10,6 +10,10 @@
     <p:sldId id="258" r:id="rId4"/>
     <p:sldId id="259" r:id="rId5"/>
     <p:sldId id="260" r:id="rId6"/>
+    <p:sldId id="261" r:id="rId7"/>
+    <p:sldId id="262" r:id="rId8"/>
+    <p:sldId id="263" r:id="rId9"/>
+    <p:sldId id="264" r:id="rId10"/>
   </p:sldIdLst>
   <p:sldSz cx="9144000" cy="6858000" type="screen4x3"/>
   <p:notesSz cx="6858000" cy="9144000"/>
@@ -318,7 +322,7 @@
           <a:p>
             <a:fld id="{B3B53DAC-3A6D-4270-B5CE-9B660B940AF3}" type="datetimeFigureOut">
               <a:rPr lang="en-US" smtClean="0"/>
-              <a:t>9/21/2017</a:t>
+              <a:t>9/23/2017</a:t>
             </a:fld>
             <a:endParaRPr lang="en-US"/>
           </a:p>
@@ -512,7 +516,7 @@
           <a:p>
             <a:fld id="{B3B53DAC-3A6D-4270-B5CE-9B660B940AF3}" type="datetimeFigureOut">
               <a:rPr lang="en-US" smtClean="0"/>
-              <a:t>9/21/2017</a:t>
+              <a:t>9/23/2017</a:t>
             </a:fld>
             <a:endParaRPr lang="en-US"/>
           </a:p>
@@ -700,7 +704,7 @@
           <a:p>
             <a:fld id="{B3B53DAC-3A6D-4270-B5CE-9B660B940AF3}" type="datetimeFigureOut">
               <a:rPr lang="en-US" smtClean="0"/>
-              <a:t>9/21/2017</a:t>
+              <a:t>9/23/2017</a:t>
             </a:fld>
             <a:endParaRPr lang="en-US"/>
           </a:p>
@@ -929,7 +933,7 @@
           <a:p>
             <a:fld id="{B3B53DAC-3A6D-4270-B5CE-9B660B940AF3}" type="datetimeFigureOut">
               <a:rPr lang="en-US" smtClean="0"/>
-              <a:t>9/21/2017</a:t>
+              <a:t>9/23/2017</a:t>
             </a:fld>
             <a:endParaRPr lang="en-US"/>
           </a:p>
@@ -1210,7 +1214,7 @@
           <a:p>
             <a:fld id="{B3B53DAC-3A6D-4270-B5CE-9B660B940AF3}" type="datetimeFigureOut">
               <a:rPr lang="en-US" smtClean="0"/>
-              <a:t>9/21/2017</a:t>
+              <a:t>9/23/2017</a:t>
             </a:fld>
             <a:endParaRPr lang="en-US"/>
           </a:p>
@@ -1498,7 +1502,7 @@
           <a:p>
             <a:fld id="{B3B53DAC-3A6D-4270-B5CE-9B660B940AF3}" type="datetimeFigureOut">
               <a:rPr lang="en-US" smtClean="0"/>
-              <a:t>9/21/2017</a:t>
+              <a:t>9/23/2017</a:t>
             </a:fld>
             <a:endParaRPr lang="en-US"/>
           </a:p>
@@ -2052,7 +2056,7 @@
           <a:p>
             <a:fld id="{B3B53DAC-3A6D-4270-B5CE-9B660B940AF3}" type="datetimeFigureOut">
               <a:rPr lang="en-US" smtClean="0"/>
-              <a:t>9/21/2017</a:t>
+              <a:t>9/23/2017</a:t>
             </a:fld>
             <a:endParaRPr lang="en-US"/>
           </a:p>
@@ -2183,7 +2187,7 @@
           <a:p>
             <a:fld id="{B3B53DAC-3A6D-4270-B5CE-9B660B940AF3}" type="datetimeFigureOut">
               <a:rPr lang="en-US" smtClean="0"/>
-              <a:t>9/21/2017</a:t>
+              <a:t>9/23/2017</a:t>
             </a:fld>
             <a:endParaRPr lang="en-US"/>
           </a:p>
@@ -2333,7 +2337,7 @@
           <a:p>
             <a:fld id="{B3B53DAC-3A6D-4270-B5CE-9B660B940AF3}" type="datetimeFigureOut">
               <a:rPr lang="en-US" smtClean="0"/>
-              <a:t>9/21/2017</a:t>
+              <a:t>9/23/2017</a:t>
             </a:fld>
             <a:endParaRPr lang="en-US"/>
           </a:p>
@@ -2654,7 +2658,7 @@
           <a:p>
             <a:fld id="{B3B53DAC-3A6D-4270-B5CE-9B660B940AF3}" type="datetimeFigureOut">
               <a:rPr lang="en-US" smtClean="0"/>
-              <a:t>9/21/2017</a:t>
+              <a:t>9/23/2017</a:t>
             </a:fld>
             <a:endParaRPr lang="en-US"/>
           </a:p>
@@ -2951,7 +2955,7 @@
           <a:p>
             <a:fld id="{B3B53DAC-3A6D-4270-B5CE-9B660B940AF3}" type="datetimeFigureOut">
               <a:rPr lang="en-US" smtClean="0"/>
-              <a:t>9/21/2017</a:t>
+              <a:t>9/23/2017</a:t>
             </a:fld>
             <a:endParaRPr lang="en-US"/>
           </a:p>
@@ -3196,7 +3200,7 @@
           <a:p>
             <a:fld id="{B3B53DAC-3A6D-4270-B5CE-9B660B940AF3}" type="datetimeFigureOut">
               <a:rPr lang="en-US" smtClean="0"/>
-              <a:t>9/21/2017</a:t>
+              <a:t>9/23/2017</a:t>
             </a:fld>
             <a:endParaRPr lang="en-US"/>
           </a:p>
@@ -3728,11 +3732,7 @@
           <a:p>
             <a:r>
               <a:rPr lang="en-US" dirty="0" smtClean="0"/>
-              <a:t>How to Read: </a:t>
-            </a:r>
-            <a:r>
-              <a:rPr lang="en-US" dirty="0" smtClean="0"/>
-              <a:t>Relays</a:t>
+              <a:t>How to Read: Transistors</a:t>
             </a:r>
             <a:endParaRPr lang="en-US" dirty="0"/>
           </a:p>
@@ -3792,7 +3792,7 @@
           <a:p>
             <a:r>
               <a:rPr lang="en-US" dirty="0" smtClean="0"/>
-              <a:t>Relay</a:t>
+              <a:t>Two Major Types</a:t>
             </a:r>
             <a:endParaRPr lang="en-US" dirty="0"/>
           </a:p>
@@ -3810,62 +3810,83 @@
         </p:nvSpPr>
         <p:spPr/>
         <p:txBody>
-          <a:bodyPr/>
+          <a:bodyPr>
+            <a:normAutofit lnSpcReduction="10000"/>
+          </a:bodyPr>
           <a:lstStyle/>
           <a:p>
             <a:r>
               <a:rPr lang="en-US" dirty="0" smtClean="0"/>
-              <a:t>Electromechanical Component</a:t>
-            </a:r>
-          </a:p>
-          <a:p>
-            <a:r>
-              <a:rPr lang="en-US" dirty="0" smtClean="0"/>
-              <a:t>Buffed-up transistor, but no polarity</a:t>
-            </a:r>
-          </a:p>
-          <a:p>
-            <a:r>
-              <a:rPr lang="en-US" dirty="0" smtClean="0"/>
-              <a:t>Anatomy of a relay</a:t>
+              <a:t>By now we should know both of them</a:t>
             </a:r>
           </a:p>
           <a:p>
             <a:pPr lvl="1"/>
             <a:r>
               <a:rPr lang="en-US" dirty="0" smtClean="0"/>
-              <a:t>Coil</a:t>
+              <a:t>BJT (Bi-Polar Junction Transistor)</a:t>
+            </a:r>
+          </a:p>
+          <a:p>
+            <a:pPr lvl="1"/>
+            <a:r>
+              <a:rPr lang="en-US" dirty="0" smtClean="0"/>
+              <a:t>FET (Field Effect Transistor)</a:t>
+            </a:r>
+          </a:p>
+          <a:p>
+            <a:r>
+              <a:rPr lang="en-US" dirty="0" smtClean="0"/>
+              <a:t>Also, two major topologies</a:t>
+            </a:r>
+          </a:p>
+          <a:p>
+            <a:pPr lvl="1"/>
+            <a:r>
+              <a:rPr lang="en-US" dirty="0" smtClean="0"/>
+              <a:t>NPN (N-Channel for FET)</a:t>
             </a:r>
           </a:p>
           <a:p>
             <a:pPr lvl="2"/>
             <a:r>
               <a:rPr lang="en-US" dirty="0" smtClean="0"/>
-              <a:t>When current goes through, generates electro-magnetic field, acting as temporary magnet for contact to close</a:t>
+              <a:t>BJT: Arrow pointing out</a:t>
+            </a:r>
+          </a:p>
+          <a:p>
+            <a:pPr lvl="2"/>
+            <a:r>
+              <a:rPr lang="en-US" dirty="0" smtClean="0"/>
+              <a:t>FET: Arrow pointing in</a:t>
             </a:r>
           </a:p>
           <a:p>
             <a:pPr lvl="1"/>
             <a:r>
               <a:rPr lang="en-US" dirty="0" smtClean="0"/>
-              <a:t>Contact</a:t>
+              <a:t>PNP (P-Channel for FET)</a:t>
             </a:r>
           </a:p>
           <a:p>
             <a:pPr lvl="2"/>
             <a:r>
               <a:rPr lang="en-US" dirty="0" smtClean="0"/>
-              <a:t>The pathway for actual electrical current.</a:t>
+              <a:t>BJT: Arrow pointing in</a:t>
             </a:r>
           </a:p>
           <a:p>
             <a:pPr lvl="2"/>
             <a:r>
               <a:rPr lang="en-US" dirty="0" smtClean="0"/>
-              <a:t>Isolated from coil</a:t>
-            </a:r>
-          </a:p>
-          <a:p>
+              <a:t>FET: Arrow pointing out</a:t>
+            </a:r>
+          </a:p>
+          <a:p>
+            <a:r>
+              <a:rPr lang="en-US" dirty="0" smtClean="0"/>
+              <a:t>For simplicity, we will only look at NPN</a:t>
+            </a:r>
             <a:endParaRPr lang="en-US" dirty="0"/>
           </a:p>
         </p:txBody>
@@ -3873,7 +3894,7 @@
     </p:spTree>
     <p:extLst>
       <p:ext uri="{BB962C8B-B14F-4D97-AF65-F5344CB8AC3E}">
-        <p14:creationId xmlns:p14="http://schemas.microsoft.com/office/powerpoint/2010/main" val="1342661510"/>
+        <p14:creationId xmlns:p14="http://schemas.microsoft.com/office/powerpoint/2010/main" val="2899834661"/>
       </p:ext>
     </p:extLst>
   </p:cSld>
@@ -3917,7 +3938,7 @@
           <a:p>
             <a:r>
               <a:rPr lang="en-US" dirty="0" smtClean="0"/>
-              <a:t>What to Read?</a:t>
+              <a:t>NPN BJT</a:t>
             </a:r>
             <a:endParaRPr lang="en-US" dirty="0"/>
           </a:p>
@@ -3935,100 +3956,50 @@
         </p:nvSpPr>
         <p:spPr/>
         <p:txBody>
-          <a:bodyPr>
-            <a:normAutofit fontScale="85000" lnSpcReduction="20000"/>
-          </a:bodyPr>
+          <a:bodyPr/>
           <a:lstStyle/>
           <a:p>
             <a:r>
               <a:rPr lang="en-US" dirty="0" smtClean="0"/>
-              <a:t>Coil Type</a:t>
+              <a:t>Current Operated</a:t>
             </a:r>
           </a:p>
           <a:p>
             <a:pPr lvl="1"/>
             <a:r>
               <a:rPr lang="en-US" dirty="0" smtClean="0"/>
-              <a:t>Non-Latching</a:t>
-            </a:r>
-          </a:p>
-          <a:p>
-            <a:pPr lvl="2"/>
-            <a:r>
-              <a:rPr lang="en-US" dirty="0" smtClean="0"/>
-              <a:t>Think of momentary switch</a:t>
+              <a:t>Enough CURRENT needed to operate</a:t>
+            </a:r>
+          </a:p>
+          <a:p>
+            <a:r>
+              <a:rPr lang="en-US" dirty="0" smtClean="0"/>
+              <a:t>Three pin-outs</a:t>
             </a:r>
           </a:p>
           <a:p>
             <a:pPr lvl="1"/>
             <a:r>
               <a:rPr lang="en-US" dirty="0" smtClean="0"/>
-              <a:t>Latching</a:t>
-            </a:r>
-          </a:p>
-          <a:p>
-            <a:pPr lvl="2"/>
-            <a:r>
-              <a:rPr lang="en-US" dirty="0" smtClean="0"/>
-              <a:t>Think of push-on push-off switch</a:t>
-            </a:r>
-          </a:p>
-          <a:p>
-            <a:r>
-              <a:rPr lang="en-US" dirty="0" smtClean="0"/>
-              <a:t>Coil Voltage</a:t>
+              <a:t>Base: Signal pin to open/close connection between Collector and Emitter</a:t>
             </a:r>
           </a:p>
           <a:p>
             <a:pPr lvl="1"/>
             <a:r>
               <a:rPr lang="en-US" dirty="0" smtClean="0"/>
-              <a:t>Maximum coil voltage to energize coil</a:t>
-            </a:r>
-          </a:p>
-          <a:p>
-            <a:r>
-              <a:rPr lang="en-US" dirty="0" smtClean="0"/>
-              <a:t>Coil Current</a:t>
+              <a:t>Collector: ‘Positive’ side</a:t>
             </a:r>
           </a:p>
           <a:p>
             <a:pPr lvl="1"/>
             <a:r>
               <a:rPr lang="en-US" dirty="0" smtClean="0"/>
-              <a:t>MINIMUM coil current to energize coil</a:t>
-            </a:r>
-          </a:p>
-          <a:p>
-            <a:r>
-              <a:rPr lang="en-US" dirty="0"/>
-              <a:t>Switching </a:t>
-            </a:r>
-            <a:r>
-              <a:rPr lang="en-US" dirty="0" smtClean="0"/>
-              <a:t>Voltage</a:t>
+              <a:t>Emitter: ‘Negative’ side</a:t>
             </a:r>
           </a:p>
           <a:p>
             <a:pPr lvl="1"/>
-            <a:r>
-              <a:rPr lang="en-US" dirty="0" smtClean="0"/>
-              <a:t>Maximum voltage for contact to operate without problem</a:t>
-            </a:r>
-            <a:endParaRPr lang="en-US" dirty="0"/>
-          </a:p>
-          <a:p>
-            <a:r>
-              <a:rPr lang="en-US" dirty="0" smtClean="0"/>
-              <a:t>Contact Rating</a:t>
-            </a:r>
-          </a:p>
-          <a:p>
-            <a:pPr lvl="1"/>
-            <a:r>
-              <a:rPr lang="en-US" dirty="0" smtClean="0"/>
-              <a:t>Maximum current for contact to operate without problem</a:t>
-            </a:r>
             <a:endParaRPr lang="en-US" dirty="0"/>
           </a:p>
         </p:txBody>
@@ -4036,7 +4007,7 @@
     </p:spTree>
     <p:extLst>
       <p:ext uri="{BB962C8B-B14F-4D97-AF65-F5344CB8AC3E}">
-        <p14:creationId xmlns:p14="http://schemas.microsoft.com/office/powerpoint/2010/main" val="241548440"/>
+        <p14:creationId xmlns:p14="http://schemas.microsoft.com/office/powerpoint/2010/main" val="2568999658"/>
       </p:ext>
     </p:extLst>
   </p:cSld>
@@ -4080,7 +4051,7 @@
           <a:p>
             <a:r>
               <a:rPr lang="en-US" dirty="0" smtClean="0"/>
-              <a:t>NC and NO</a:t>
+              <a:t>BJT Transistor Specifications</a:t>
             </a:r>
             <a:endParaRPr lang="en-US" dirty="0"/>
           </a:p>
@@ -4099,59 +4070,133 @@
         <p:spPr/>
         <p:txBody>
           <a:bodyPr>
-            <a:normAutofit lnSpcReduction="10000"/>
+            <a:normAutofit fontScale="85000" lnSpcReduction="20000"/>
           </a:bodyPr>
           <a:lstStyle/>
           <a:p>
             <a:r>
               <a:rPr lang="en-US" dirty="0" smtClean="0"/>
-              <a:t>If you got a relay that is SPDT</a:t>
-            </a:r>
-          </a:p>
-          <a:p>
-            <a:r>
-              <a:rPr lang="en-US" dirty="0" smtClean="0"/>
-              <a:t>Or you got a relay that is SPST-NO</a:t>
-            </a:r>
-          </a:p>
-          <a:p>
-            <a:r>
-              <a:rPr lang="en-US" dirty="0" smtClean="0"/>
-              <a:t>NO</a:t>
+              <a:t>V</a:t>
+            </a:r>
+            <a:r>
+              <a:rPr lang="en-US" sz="1200" dirty="0" smtClean="0"/>
+              <a:t>CBO </a:t>
+            </a:r>
+            <a:r>
+              <a:rPr lang="en-US" dirty="0" smtClean="0"/>
+              <a:t>= Collector-Base Voltage</a:t>
             </a:r>
           </a:p>
           <a:p>
             <a:pPr lvl="1"/>
             <a:r>
               <a:rPr lang="en-US" dirty="0" smtClean="0"/>
-              <a:t>Normally Opened</a:t>
+              <a:t>Maximum voltage between Collector and Base pin</a:t>
+            </a:r>
+          </a:p>
+          <a:p>
+            <a:r>
+              <a:rPr lang="en-US" dirty="0" smtClean="0"/>
+              <a:t>V</a:t>
+            </a:r>
+            <a:r>
+              <a:rPr lang="en-US" sz="1200" dirty="0" smtClean="0"/>
+              <a:t>CEO</a:t>
+            </a:r>
+            <a:r>
+              <a:rPr lang="en-US" dirty="0" smtClean="0"/>
+              <a:t> = Collector-Emitter Voltage</a:t>
             </a:r>
           </a:p>
           <a:p>
             <a:pPr lvl="1"/>
             <a:r>
               <a:rPr lang="en-US" dirty="0" smtClean="0"/>
-              <a:t>Contact is in open position when coil is not energized</a:t>
-            </a:r>
-          </a:p>
-          <a:p>
-            <a:r>
-              <a:rPr lang="en-US" dirty="0" smtClean="0"/>
-              <a:t>NC</a:t>
+              <a:t>Maximum voltage between Collector and Emitter pin</a:t>
+            </a:r>
+          </a:p>
+          <a:p>
+            <a:r>
+              <a:rPr lang="en-US" dirty="0" smtClean="0"/>
+              <a:t>V</a:t>
+            </a:r>
+            <a:r>
+              <a:rPr lang="en-US" sz="1200" dirty="0" smtClean="0"/>
+              <a:t>EBO</a:t>
+            </a:r>
+            <a:r>
+              <a:rPr lang="en-US" dirty="0" smtClean="0"/>
+              <a:t> = Emitter-Base Voltage</a:t>
             </a:r>
           </a:p>
           <a:p>
             <a:pPr lvl="1"/>
             <a:r>
               <a:rPr lang="en-US" dirty="0" smtClean="0"/>
-              <a:t>Normally Closed</a:t>
+              <a:t>Maximum voltage between Emitter and Base pin</a:t>
+            </a:r>
+          </a:p>
+          <a:p>
+            <a:r>
+              <a:rPr lang="en-US" dirty="0" smtClean="0"/>
+              <a:t>I</a:t>
+            </a:r>
+            <a:r>
+              <a:rPr lang="en-US" sz="1200" dirty="0" smtClean="0"/>
+              <a:t>CEX</a:t>
+            </a:r>
+            <a:r>
+              <a:rPr lang="en-US" dirty="0" smtClean="0"/>
+              <a:t> = Collector Cut-off Current</a:t>
             </a:r>
           </a:p>
           <a:p>
             <a:pPr lvl="1"/>
             <a:r>
               <a:rPr lang="en-US" dirty="0" smtClean="0"/>
-              <a:t>Contact is in closed position when coil is not energized</a:t>
+              <a:t>Maximum current at which Collector cuts-off electrical flow</a:t>
+            </a:r>
+          </a:p>
+          <a:p>
+            <a:r>
+              <a:rPr lang="en-US" dirty="0" smtClean="0"/>
+              <a:t>I</a:t>
+            </a:r>
+            <a:r>
+              <a:rPr lang="en-US" sz="1200" dirty="0" smtClean="0"/>
+              <a:t>BEX</a:t>
+            </a:r>
+            <a:r>
+              <a:rPr lang="en-US" dirty="0" smtClean="0"/>
+              <a:t> = Base Cut-off Current</a:t>
+            </a:r>
+          </a:p>
+          <a:p>
+            <a:pPr lvl="1"/>
+            <a:r>
+              <a:rPr lang="en-US" dirty="0" smtClean="0"/>
+              <a:t>Maximum current at which Base cuts-off electrical flow</a:t>
+            </a:r>
+          </a:p>
+          <a:p>
+            <a:r>
+              <a:rPr lang="en-US" dirty="0" smtClean="0"/>
+              <a:t>I</a:t>
+            </a:r>
+            <a:r>
+              <a:rPr lang="en-US" sz="1400" dirty="0" smtClean="0"/>
+              <a:t>C</a:t>
+            </a:r>
+            <a:r>
+              <a:rPr lang="en-US" dirty="0" smtClean="0"/>
+              <a:t> = Collector Current</a:t>
+            </a:r>
+          </a:p>
+          <a:p>
+            <a:pPr lvl="1"/>
+            <a:r>
+              <a:rPr lang="en-US" dirty="0" smtClean="0"/>
+              <a:t>Maximum current collector can allow to flow</a:t>
             </a:r>
             <a:endParaRPr lang="en-US" dirty="0"/>
           </a:p>
@@ -4160,7 +4205,7 @@
     </p:spTree>
     <p:extLst>
       <p:ext uri="{BB962C8B-B14F-4D97-AF65-F5344CB8AC3E}">
-        <p14:creationId xmlns:p14="http://schemas.microsoft.com/office/powerpoint/2010/main" val="195671915"/>
+        <p14:creationId xmlns:p14="http://schemas.microsoft.com/office/powerpoint/2010/main" val="2816572588"/>
       </p:ext>
     </p:extLst>
   </p:cSld>
@@ -4204,7 +4249,7 @@
           <a:p>
             <a:r>
               <a:rPr lang="en-US" dirty="0" smtClean="0"/>
-              <a:t>Troubleshooter</a:t>
+              <a:t>2N3904 Signal NPN Transistor</a:t>
             </a:r>
             <a:endParaRPr lang="en-US" dirty="0"/>
           </a:p>
@@ -4222,54 +4267,120 @@
         </p:nvSpPr>
         <p:spPr/>
         <p:txBody>
-          <a:bodyPr/>
+          <a:bodyPr>
+            <a:normAutofit/>
+          </a:bodyPr>
           <a:lstStyle/>
           <a:p>
             <a:r>
-              <a:rPr lang="en-US" dirty="0" smtClean="0"/>
-              <a:t>Its making clicking sound</a:t>
-            </a:r>
-          </a:p>
-          <a:p>
-            <a:pPr lvl="1"/>
-            <a:r>
-              <a:rPr lang="en-US" dirty="0" smtClean="0"/>
-              <a:t>Contact is rapidly opened and closed</a:t>
-            </a:r>
-          </a:p>
-          <a:p>
-            <a:pPr lvl="1"/>
-            <a:r>
-              <a:rPr lang="en-US" dirty="0" smtClean="0"/>
-              <a:t>Why?</a:t>
-            </a:r>
-          </a:p>
-          <a:p>
-            <a:pPr lvl="2"/>
-            <a:r>
-              <a:rPr lang="en-US" dirty="0" smtClean="0"/>
-              <a:t>Coil is constantly energized-discharged</a:t>
-            </a:r>
-          </a:p>
-          <a:p>
-            <a:pPr lvl="2"/>
-            <a:r>
-              <a:rPr lang="en-US" dirty="0" smtClean="0"/>
-              <a:t>If coil is constantly energized-discharged…</a:t>
-            </a:r>
-          </a:p>
-          <a:p>
-            <a:pPr lvl="2"/>
-            <a:r>
-              <a:rPr lang="en-US" dirty="0" smtClean="0"/>
-              <a:t>Means either current is varying or…</a:t>
-            </a:r>
-          </a:p>
-          <a:p>
-            <a:pPr lvl="2"/>
-            <a:r>
-              <a:rPr lang="en-US" dirty="0" smtClean="0"/>
-              <a:t>Voltage is dropping</a:t>
+              <a:rPr lang="en-US" dirty="0"/>
+              <a:t>V</a:t>
+            </a:r>
+            <a:r>
+              <a:rPr lang="en-US" sz="1200" dirty="0"/>
+              <a:t>CBO </a:t>
+            </a:r>
+            <a:r>
+              <a:rPr lang="en-US" dirty="0"/>
+              <a:t>= </a:t>
+            </a:r>
+            <a:r>
+              <a:rPr lang="en-US" dirty="0" smtClean="0"/>
+              <a:t>60V</a:t>
+            </a:r>
+          </a:p>
+          <a:p>
+            <a:r>
+              <a:rPr lang="en-US" dirty="0" smtClean="0"/>
+              <a:t>V</a:t>
+            </a:r>
+            <a:r>
+              <a:rPr lang="en-US" sz="1200" dirty="0" smtClean="0"/>
+              <a:t>CEO</a:t>
+            </a:r>
+            <a:r>
+              <a:rPr lang="en-US" dirty="0" smtClean="0"/>
+              <a:t> </a:t>
+            </a:r>
+            <a:r>
+              <a:rPr lang="en-US" dirty="0"/>
+              <a:t>= </a:t>
+            </a:r>
+            <a:r>
+              <a:rPr lang="en-US" dirty="0" smtClean="0"/>
+              <a:t>40V</a:t>
+            </a:r>
+          </a:p>
+          <a:p>
+            <a:r>
+              <a:rPr lang="en-US" dirty="0" smtClean="0"/>
+              <a:t>V</a:t>
+            </a:r>
+            <a:r>
+              <a:rPr lang="en-US" sz="1200" dirty="0" smtClean="0"/>
+              <a:t>EBO</a:t>
+            </a:r>
+            <a:r>
+              <a:rPr lang="en-US" dirty="0" smtClean="0"/>
+              <a:t> </a:t>
+            </a:r>
+            <a:r>
+              <a:rPr lang="en-US" dirty="0"/>
+              <a:t>= </a:t>
+            </a:r>
+            <a:r>
+              <a:rPr lang="en-US" dirty="0" smtClean="0"/>
+              <a:t>6V</a:t>
+            </a:r>
+          </a:p>
+          <a:p>
+            <a:r>
+              <a:rPr lang="en-US" dirty="0" smtClean="0"/>
+              <a:t>I</a:t>
+            </a:r>
+            <a:r>
+              <a:rPr lang="en-US" sz="1200" dirty="0" smtClean="0"/>
+              <a:t>CEX</a:t>
+            </a:r>
+            <a:r>
+              <a:rPr lang="en-US" dirty="0" smtClean="0"/>
+              <a:t> </a:t>
+            </a:r>
+            <a:r>
+              <a:rPr lang="en-US" dirty="0"/>
+              <a:t>= </a:t>
+            </a:r>
+            <a:r>
+              <a:rPr lang="en-US" dirty="0" smtClean="0"/>
+              <a:t>50nA</a:t>
+            </a:r>
+          </a:p>
+          <a:p>
+            <a:r>
+              <a:rPr lang="en-US" dirty="0" smtClean="0"/>
+              <a:t>I</a:t>
+            </a:r>
+            <a:r>
+              <a:rPr lang="en-US" sz="1200" dirty="0" smtClean="0"/>
+              <a:t>BEX</a:t>
+            </a:r>
+            <a:r>
+              <a:rPr lang="en-US" dirty="0" smtClean="0"/>
+              <a:t> =50nA</a:t>
+            </a:r>
+          </a:p>
+          <a:p>
+            <a:r>
+              <a:rPr lang="en-US" dirty="0" smtClean="0"/>
+              <a:t>I</a:t>
+            </a:r>
+            <a:r>
+              <a:rPr lang="en-US" sz="1200" dirty="0" smtClean="0"/>
+              <a:t>C</a:t>
+            </a:r>
+            <a:r>
+              <a:rPr lang="en-US" dirty="0" smtClean="0"/>
+              <a:t> = 200mA</a:t>
             </a:r>
             <a:endParaRPr lang="en-US" dirty="0"/>
           </a:p>
@@ -4278,7 +4389,588 @@
     </p:spTree>
     <p:extLst>
       <p:ext uri="{BB962C8B-B14F-4D97-AF65-F5344CB8AC3E}">
-        <p14:creationId xmlns:p14="http://schemas.microsoft.com/office/powerpoint/2010/main" val="1448050702"/>
+        <p14:creationId xmlns:p14="http://schemas.microsoft.com/office/powerpoint/2010/main" val="1214893418"/>
+      </p:ext>
+    </p:extLst>
+  </p:cSld>
+  <p:clrMapOvr>
+    <a:masterClrMapping/>
+  </p:clrMapOvr>
+</p:sld>
+</file>
+
+<file path=ppt/slides/slide6.xml><?xml version="1.0" encoding="utf-8"?>
+<p:sld xmlns:a="http://schemas.openxmlformats.org/drawingml/2006/main" xmlns:r="http://schemas.openxmlformats.org/officeDocument/2006/relationships" xmlns:p="http://schemas.openxmlformats.org/presentationml/2006/main">
+  <p:cSld>
+    <p:spTree>
+      <p:nvGrpSpPr>
+        <p:cNvPr id="1" name=""/>
+        <p:cNvGrpSpPr/>
+        <p:nvPr/>
+      </p:nvGrpSpPr>
+      <p:grpSpPr>
+        <a:xfrm>
+          <a:off x="0" y="0"/>
+          <a:ext cx="0" cy="0"/>
+          <a:chOff x="0" y="0"/>
+          <a:chExt cx="0" cy="0"/>
+        </a:xfrm>
+      </p:grpSpPr>
+      <p:sp>
+        <p:nvSpPr>
+          <p:cNvPr id="2" name="Title 1"/>
+          <p:cNvSpPr>
+            <a:spLocks noGrp="1"/>
+          </p:cNvSpPr>
+          <p:nvPr>
+            <p:ph type="title"/>
+          </p:nvPr>
+        </p:nvSpPr>
+        <p:spPr/>
+        <p:txBody>
+          <a:bodyPr/>
+          <a:lstStyle/>
+          <a:p>
+            <a:r>
+              <a:rPr lang="en-US" dirty="0" smtClean="0"/>
+              <a:t>N-Channel MOSFET</a:t>
+            </a:r>
+            <a:endParaRPr lang="en-US" dirty="0"/>
+          </a:p>
+        </p:txBody>
+      </p:sp>
+      <p:sp>
+        <p:nvSpPr>
+          <p:cNvPr id="3" name="Content Placeholder 2"/>
+          <p:cNvSpPr>
+            <a:spLocks noGrp="1"/>
+          </p:cNvSpPr>
+          <p:nvPr>
+            <p:ph idx="1"/>
+          </p:nvPr>
+        </p:nvSpPr>
+        <p:spPr/>
+        <p:txBody>
+          <a:bodyPr/>
+          <a:lstStyle/>
+          <a:p>
+            <a:r>
+              <a:rPr lang="en-US" dirty="0" smtClean="0"/>
+              <a:t>Voltage Operated</a:t>
+            </a:r>
+          </a:p>
+          <a:p>
+            <a:pPr lvl="1"/>
+            <a:r>
+              <a:rPr lang="en-US" dirty="0" smtClean="0"/>
+              <a:t>Enough VOLTAGE needed to operate</a:t>
+            </a:r>
+          </a:p>
+          <a:p>
+            <a:r>
+              <a:rPr lang="en-US" dirty="0" smtClean="0"/>
+              <a:t>Three pin-outs</a:t>
+            </a:r>
+          </a:p>
+          <a:p>
+            <a:pPr lvl="1"/>
+            <a:r>
+              <a:rPr lang="en-US" dirty="0" smtClean="0"/>
+              <a:t>Gate: Signal input pin</a:t>
+            </a:r>
+          </a:p>
+          <a:p>
+            <a:pPr lvl="1"/>
+            <a:r>
+              <a:rPr lang="en-US" dirty="0" smtClean="0"/>
+              <a:t>Drain: ‘Positive’ pin</a:t>
+            </a:r>
+          </a:p>
+          <a:p>
+            <a:pPr lvl="1"/>
+            <a:r>
+              <a:rPr lang="en-US" dirty="0" smtClean="0"/>
+              <a:t>Source: ‘Negative’ pin</a:t>
+            </a:r>
+            <a:endParaRPr lang="en-US" dirty="0"/>
+          </a:p>
+        </p:txBody>
+      </p:sp>
+    </p:spTree>
+    <p:extLst>
+      <p:ext uri="{BB962C8B-B14F-4D97-AF65-F5344CB8AC3E}">
+        <p14:creationId xmlns:p14="http://schemas.microsoft.com/office/powerpoint/2010/main" val="3317045491"/>
+      </p:ext>
+    </p:extLst>
+  </p:cSld>
+  <p:clrMapOvr>
+    <a:masterClrMapping/>
+  </p:clrMapOvr>
+</p:sld>
+</file>
+
+<file path=ppt/slides/slide7.xml><?xml version="1.0" encoding="utf-8"?>
+<p:sld xmlns:a="http://schemas.openxmlformats.org/drawingml/2006/main" xmlns:r="http://schemas.openxmlformats.org/officeDocument/2006/relationships" xmlns:p="http://schemas.openxmlformats.org/presentationml/2006/main">
+  <p:cSld>
+    <p:spTree>
+      <p:nvGrpSpPr>
+        <p:cNvPr id="1" name=""/>
+        <p:cNvGrpSpPr/>
+        <p:nvPr/>
+      </p:nvGrpSpPr>
+      <p:grpSpPr>
+        <a:xfrm>
+          <a:off x="0" y="0"/>
+          <a:ext cx="0" cy="0"/>
+          <a:chOff x="0" y="0"/>
+          <a:chExt cx="0" cy="0"/>
+        </a:xfrm>
+      </p:grpSpPr>
+      <p:sp>
+        <p:nvSpPr>
+          <p:cNvPr id="2" name="Title 1"/>
+          <p:cNvSpPr>
+            <a:spLocks noGrp="1"/>
+          </p:cNvSpPr>
+          <p:nvPr>
+            <p:ph type="title"/>
+          </p:nvPr>
+        </p:nvSpPr>
+        <p:spPr/>
+        <p:txBody>
+          <a:bodyPr>
+            <a:normAutofit fontScale="90000"/>
+          </a:bodyPr>
+          <a:lstStyle/>
+          <a:p>
+            <a:r>
+              <a:rPr lang="en-US" dirty="0" smtClean="0"/>
+              <a:t>MOSFET Transistor Specifications</a:t>
+            </a:r>
+            <a:endParaRPr lang="en-US" dirty="0"/>
+          </a:p>
+        </p:txBody>
+      </p:sp>
+      <p:sp>
+        <p:nvSpPr>
+          <p:cNvPr id="3" name="Content Placeholder 2"/>
+          <p:cNvSpPr>
+            <a:spLocks noGrp="1"/>
+          </p:cNvSpPr>
+          <p:nvPr>
+            <p:ph idx="1"/>
+          </p:nvPr>
+        </p:nvSpPr>
+        <p:spPr/>
+        <p:txBody>
+          <a:bodyPr>
+            <a:normAutofit fontScale="92500" lnSpcReduction="20000"/>
+          </a:bodyPr>
+          <a:lstStyle/>
+          <a:p>
+            <a:r>
+              <a:rPr lang="en-US" dirty="0" smtClean="0"/>
+              <a:t>V</a:t>
+            </a:r>
+            <a:r>
+              <a:rPr lang="en-US" sz="1200" dirty="0" smtClean="0"/>
+              <a:t>DSS</a:t>
+            </a:r>
+            <a:r>
+              <a:rPr lang="en-US" dirty="0" smtClean="0"/>
+              <a:t> = Drain to Source Voltage</a:t>
+            </a:r>
+          </a:p>
+          <a:p>
+            <a:pPr lvl="1"/>
+            <a:r>
+              <a:rPr lang="en-US" dirty="0" smtClean="0"/>
+              <a:t>Maximum voltage between Drain and Source pin</a:t>
+            </a:r>
+          </a:p>
+          <a:p>
+            <a:r>
+              <a:rPr lang="en-US" dirty="0" smtClean="0"/>
+              <a:t>V</a:t>
+            </a:r>
+            <a:r>
+              <a:rPr lang="en-US" sz="1200" dirty="0" smtClean="0"/>
+              <a:t>DGR</a:t>
+            </a:r>
+            <a:r>
+              <a:rPr lang="en-US" dirty="0" smtClean="0"/>
+              <a:t> = Drain to Gate Voltage</a:t>
+            </a:r>
+          </a:p>
+          <a:p>
+            <a:pPr lvl="1"/>
+            <a:r>
+              <a:rPr lang="en-US" dirty="0" smtClean="0"/>
+              <a:t>Maximum voltage between Drain and Gate pin</a:t>
+            </a:r>
+          </a:p>
+          <a:p>
+            <a:r>
+              <a:rPr lang="en-US" dirty="0" smtClean="0"/>
+              <a:t>V</a:t>
+            </a:r>
+            <a:r>
+              <a:rPr lang="en-US" sz="1200" dirty="0" smtClean="0"/>
+              <a:t>GS</a:t>
+            </a:r>
+            <a:r>
+              <a:rPr lang="en-US" dirty="0" smtClean="0"/>
+              <a:t> = Gate to Source Voltage</a:t>
+            </a:r>
+          </a:p>
+          <a:p>
+            <a:pPr lvl="1"/>
+            <a:r>
+              <a:rPr lang="en-US" dirty="0" smtClean="0"/>
+              <a:t>Maximum voltage between Gate and Source pin</a:t>
+            </a:r>
+          </a:p>
+          <a:p>
+            <a:r>
+              <a:rPr lang="en-US" dirty="0" smtClean="0"/>
+              <a:t>I</a:t>
+            </a:r>
+            <a:r>
+              <a:rPr lang="en-US" sz="1200" dirty="0" smtClean="0"/>
+              <a:t>D</a:t>
+            </a:r>
+            <a:r>
+              <a:rPr lang="en-US" dirty="0" smtClean="0"/>
+              <a:t> = Continuous Drain Current</a:t>
+            </a:r>
+          </a:p>
+          <a:p>
+            <a:pPr lvl="1"/>
+            <a:r>
+              <a:rPr lang="en-US" dirty="0" smtClean="0"/>
+              <a:t>Maximum current Drain pin can hold while current flow continuously</a:t>
+            </a:r>
+          </a:p>
+          <a:p>
+            <a:r>
+              <a:rPr lang="en-US" dirty="0" smtClean="0"/>
+              <a:t>V</a:t>
+            </a:r>
+            <a:r>
+              <a:rPr lang="en-US" sz="1300" dirty="0" smtClean="0"/>
+              <a:t>GS(TH)</a:t>
+            </a:r>
+            <a:r>
+              <a:rPr lang="en-US" dirty="0" smtClean="0"/>
+              <a:t> = Gate Threshold Voltage</a:t>
+            </a:r>
+          </a:p>
+          <a:p>
+            <a:pPr lvl="1"/>
+            <a:r>
+              <a:rPr lang="en-US" dirty="0" smtClean="0"/>
+              <a:t>Minimum voltage required to close between Drain and Source</a:t>
+            </a:r>
+            <a:endParaRPr lang="en-US" dirty="0"/>
+          </a:p>
+        </p:txBody>
+      </p:sp>
+    </p:spTree>
+    <p:extLst>
+      <p:ext uri="{BB962C8B-B14F-4D97-AF65-F5344CB8AC3E}">
+        <p14:creationId xmlns:p14="http://schemas.microsoft.com/office/powerpoint/2010/main" val="449839816"/>
+      </p:ext>
+    </p:extLst>
+  </p:cSld>
+  <p:clrMapOvr>
+    <a:masterClrMapping/>
+  </p:clrMapOvr>
+</p:sld>
+</file>
+
+<file path=ppt/slides/slide8.xml><?xml version="1.0" encoding="utf-8"?>
+<p:sld xmlns:a="http://schemas.openxmlformats.org/drawingml/2006/main" xmlns:r="http://schemas.openxmlformats.org/officeDocument/2006/relationships" xmlns:p="http://schemas.openxmlformats.org/presentationml/2006/main">
+  <p:cSld>
+    <p:spTree>
+      <p:nvGrpSpPr>
+        <p:cNvPr id="1" name=""/>
+        <p:cNvGrpSpPr/>
+        <p:nvPr/>
+      </p:nvGrpSpPr>
+      <p:grpSpPr>
+        <a:xfrm>
+          <a:off x="0" y="0"/>
+          <a:ext cx="0" cy="0"/>
+          <a:chOff x="0" y="0"/>
+          <a:chExt cx="0" cy="0"/>
+        </a:xfrm>
+      </p:grpSpPr>
+      <p:sp>
+        <p:nvSpPr>
+          <p:cNvPr id="2" name="Title 1"/>
+          <p:cNvSpPr>
+            <a:spLocks noGrp="1"/>
+          </p:cNvSpPr>
+          <p:nvPr>
+            <p:ph type="title"/>
+          </p:nvPr>
+        </p:nvSpPr>
+        <p:spPr/>
+        <p:txBody>
+          <a:bodyPr>
+            <a:normAutofit fontScale="90000"/>
+          </a:bodyPr>
+          <a:lstStyle/>
+          <a:p>
+            <a:r>
+              <a:rPr lang="en-US" dirty="0" smtClean="0"/>
+              <a:t>FQP30N06L N-Channel MOSFET</a:t>
+            </a:r>
+            <a:endParaRPr lang="en-US" dirty="0"/>
+          </a:p>
+        </p:txBody>
+      </p:sp>
+      <p:sp>
+        <p:nvSpPr>
+          <p:cNvPr id="3" name="Content Placeholder 2"/>
+          <p:cNvSpPr>
+            <a:spLocks noGrp="1"/>
+          </p:cNvSpPr>
+          <p:nvPr>
+            <p:ph idx="1"/>
+          </p:nvPr>
+        </p:nvSpPr>
+        <p:spPr/>
+        <p:txBody>
+          <a:bodyPr>
+            <a:normAutofit/>
+          </a:bodyPr>
+          <a:lstStyle/>
+          <a:p>
+            <a:r>
+              <a:rPr lang="en-US" dirty="0"/>
+              <a:t>V</a:t>
+            </a:r>
+            <a:r>
+              <a:rPr lang="en-US" sz="1200" dirty="0"/>
+              <a:t>DSS</a:t>
+            </a:r>
+            <a:r>
+              <a:rPr lang="en-US" dirty="0"/>
+              <a:t> = </a:t>
+            </a:r>
+            <a:r>
+              <a:rPr lang="en-US" dirty="0" smtClean="0"/>
+              <a:t>60V</a:t>
+            </a:r>
+          </a:p>
+          <a:p>
+            <a:r>
+              <a:rPr lang="en-US" dirty="0" smtClean="0"/>
+              <a:t>V</a:t>
+            </a:r>
+            <a:r>
+              <a:rPr lang="en-US" sz="1200" dirty="0" smtClean="0"/>
+              <a:t>DGR</a:t>
+            </a:r>
+            <a:r>
+              <a:rPr lang="en-US" dirty="0" smtClean="0"/>
+              <a:t> </a:t>
+            </a:r>
+            <a:r>
+              <a:rPr lang="en-US" dirty="0"/>
+              <a:t>= </a:t>
+            </a:r>
+            <a:r>
+              <a:rPr lang="en-US" dirty="0" smtClean="0"/>
+              <a:t>60V</a:t>
+            </a:r>
+          </a:p>
+          <a:p>
+            <a:r>
+              <a:rPr lang="en-US" dirty="0" smtClean="0"/>
+              <a:t>V</a:t>
+            </a:r>
+            <a:r>
+              <a:rPr lang="en-US" sz="1200" dirty="0" smtClean="0"/>
+              <a:t>GS</a:t>
+            </a:r>
+            <a:r>
+              <a:rPr lang="en-US" dirty="0" smtClean="0"/>
+              <a:t> </a:t>
+            </a:r>
+            <a:r>
+              <a:rPr lang="en-US" dirty="0"/>
+              <a:t>= </a:t>
+            </a:r>
+            <a:r>
+              <a:rPr lang="en-US" dirty="0" smtClean="0"/>
+              <a:t>+10V, -8V</a:t>
+            </a:r>
+          </a:p>
+          <a:p>
+            <a:r>
+              <a:rPr lang="en-US" dirty="0" smtClean="0"/>
+              <a:t>I</a:t>
+            </a:r>
+            <a:r>
+              <a:rPr lang="en-US" sz="1200" dirty="0" smtClean="0"/>
+              <a:t>D</a:t>
+            </a:r>
+            <a:r>
+              <a:rPr lang="en-US" dirty="0" smtClean="0"/>
+              <a:t> </a:t>
+            </a:r>
+            <a:r>
+              <a:rPr lang="en-US" dirty="0"/>
+              <a:t>= </a:t>
+            </a:r>
+            <a:r>
+              <a:rPr lang="en-US" dirty="0" smtClean="0"/>
+              <a:t>30A</a:t>
+            </a:r>
+          </a:p>
+          <a:p>
+            <a:r>
+              <a:rPr lang="en-US" dirty="0" smtClean="0"/>
+              <a:t>V</a:t>
+            </a:r>
+            <a:r>
+              <a:rPr lang="en-US" sz="1300" dirty="0" smtClean="0"/>
+              <a:t>GS(TH)</a:t>
+            </a:r>
+            <a:r>
+              <a:rPr lang="en-US" dirty="0" smtClean="0"/>
+              <a:t> = Min. 1V Max. 2V</a:t>
+            </a:r>
+            <a:endParaRPr lang="en-US" dirty="0"/>
+          </a:p>
+        </p:txBody>
+      </p:sp>
+    </p:spTree>
+    <p:extLst>
+      <p:ext uri="{BB962C8B-B14F-4D97-AF65-F5344CB8AC3E}">
+        <p14:creationId xmlns:p14="http://schemas.microsoft.com/office/powerpoint/2010/main" val="2217806782"/>
+      </p:ext>
+    </p:extLst>
+  </p:cSld>
+  <p:clrMapOvr>
+    <a:masterClrMapping/>
+  </p:clrMapOvr>
+</p:sld>
+</file>
+
+<file path=ppt/slides/slide9.xml><?xml version="1.0" encoding="utf-8"?>
+<p:sld xmlns:a="http://schemas.openxmlformats.org/drawingml/2006/main" xmlns:r="http://schemas.openxmlformats.org/officeDocument/2006/relationships" xmlns:p="http://schemas.openxmlformats.org/presentationml/2006/main">
+  <p:cSld>
+    <p:spTree>
+      <p:nvGrpSpPr>
+        <p:cNvPr id="1" name=""/>
+        <p:cNvGrpSpPr/>
+        <p:nvPr/>
+      </p:nvGrpSpPr>
+      <p:grpSpPr>
+        <a:xfrm>
+          <a:off x="0" y="0"/>
+          <a:ext cx="0" cy="0"/>
+          <a:chOff x="0" y="0"/>
+          <a:chExt cx="0" cy="0"/>
+        </a:xfrm>
+      </p:grpSpPr>
+      <p:sp>
+        <p:nvSpPr>
+          <p:cNvPr id="2" name="Title 1"/>
+          <p:cNvSpPr>
+            <a:spLocks noGrp="1"/>
+          </p:cNvSpPr>
+          <p:nvPr>
+            <p:ph type="title"/>
+          </p:nvPr>
+        </p:nvSpPr>
+        <p:spPr/>
+        <p:txBody>
+          <a:bodyPr/>
+          <a:lstStyle/>
+          <a:p>
+            <a:r>
+              <a:rPr lang="en-US" dirty="0" smtClean="0"/>
+              <a:t>Common Parameters</a:t>
+            </a:r>
+            <a:endParaRPr lang="en-US" dirty="0"/>
+          </a:p>
+        </p:txBody>
+      </p:sp>
+      <p:sp>
+        <p:nvSpPr>
+          <p:cNvPr id="3" name="Content Placeholder 2"/>
+          <p:cNvSpPr>
+            <a:spLocks noGrp="1"/>
+          </p:cNvSpPr>
+          <p:nvPr>
+            <p:ph idx="1"/>
+          </p:nvPr>
+        </p:nvSpPr>
+        <p:spPr/>
+        <p:txBody>
+          <a:bodyPr/>
+          <a:lstStyle/>
+          <a:p>
+            <a:r>
+              <a:rPr lang="en-US" dirty="0" smtClean="0"/>
+              <a:t>Power Dissipation</a:t>
+            </a:r>
+          </a:p>
+          <a:p>
+            <a:pPr lvl="1"/>
+            <a:r>
+              <a:rPr lang="en-US" dirty="0" smtClean="0"/>
+              <a:t>Amount of thermal energy released during operation</a:t>
+            </a:r>
+            <a:endParaRPr lang="en-US" dirty="0"/>
+          </a:p>
+          <a:p>
+            <a:pPr lvl="1"/>
+            <a:r>
+              <a:rPr lang="en-US" dirty="0" smtClean="0"/>
+              <a:t>Hotter they get, less amperage they can carry out</a:t>
+            </a:r>
+          </a:p>
+        </p:txBody>
+      </p:sp>
+      <p:pic>
+        <p:nvPicPr>
+          <p:cNvPr id="4" name="Picture 3"/>
+          <p:cNvPicPr>
+            <a:picLocks noChangeAspect="1"/>
+          </p:cNvPicPr>
+          <p:nvPr/>
+        </p:nvPicPr>
+        <p:blipFill>
+          <a:blip r:embed="rId2">
+            <a:extLst>
+              <a:ext uri="{28A0092B-C50C-407E-A947-70E740481C1C}">
+                <a14:useLocalDpi xmlns:a14="http://schemas.microsoft.com/office/drawing/2010/main" val="0"/>
+              </a:ext>
+            </a:extLst>
+          </a:blip>
+          <a:stretch>
+            <a:fillRect/>
+          </a:stretch>
+        </p:blipFill>
+        <p:spPr>
+          <a:xfrm>
+            <a:off x="3107279" y="3622060"/>
+            <a:ext cx="3386642" cy="2860128"/>
+          </a:xfrm>
+          <a:prstGeom prst="rect">
+            <a:avLst/>
+          </a:prstGeom>
+        </p:spPr>
+      </p:pic>
+    </p:spTree>
+    <p:extLst>
+      <p:ext uri="{BB962C8B-B14F-4D97-AF65-F5344CB8AC3E}">
+        <p14:creationId xmlns:p14="http://schemas.microsoft.com/office/powerpoint/2010/main" val="4111467690"/>
       </p:ext>
     </p:extLst>
   </p:cSld>
